--- a/Powerpoint/Module06-ComplexObjects.pptx
+++ b/Powerpoint/Module06-ComplexObjects.pptx
@@ -110,6 +110,22 @@
       </a:defRPr>
     </a:lvl9pPr>
   </p:defaultTextStyle>
+  <p:extLst>
+    <p:ext uri="{EFAFB233-063F-42B5-8137-9DF3F51BA10A}">
+      <p15:sldGuideLst xmlns:p15="http://schemas.microsoft.com/office/powerpoint/2012/main">
+        <p15:guide id="1" orient="horz" pos="2160">
+          <p15:clr>
+            <a:srgbClr val="A4A3A4"/>
+          </p15:clr>
+        </p15:guide>
+        <p15:guide id="2" pos="2880">
+          <p15:clr>
+            <a:srgbClr val="A4A3A4"/>
+          </p15:clr>
+        </p15:guide>
+      </p15:sldGuideLst>
+    </p:ext>
+  </p:extLst>
 </p:presentation>
 </file>
 
@@ -157,7 +173,7 @@
           </a:lstStyle>
           <a:p>
             <a:r>
-              <a:rPr lang="en-US" smtClean="0"/>
+              <a:rPr lang="en-US"/>
               <a:t>Click to edit Master title style</a:t>
             </a:r>
             <a:endParaRPr lang="en-US" dirty="0"/>
@@ -277,7 +293,7 @@
           </a:lstStyle>
           <a:p>
             <a:r>
-              <a:rPr lang="en-US" smtClean="0"/>
+              <a:rPr lang="en-US"/>
               <a:t>Click to edit Master subtitle style</a:t>
             </a:r>
             <a:endParaRPr lang="en-US" dirty="0"/>
@@ -390,10 +406,9 @@
           <a:lstStyle/>
           <a:p>
             <a:r>
-              <a:rPr lang="en-US" smtClean="0"/>
+              <a:rPr lang="en-US"/>
               <a:t>Click to edit Master title style</a:t>
             </a:r>
-            <a:endParaRPr lang="en-US"/>
           </a:p>
         </p:txBody>
       </p:sp>
@@ -414,38 +429,37 @@
           <a:p>
             <a:pPr lvl="0"/>
             <a:r>
-              <a:rPr lang="en-US" smtClean="0"/>
+              <a:rPr lang="en-US"/>
               <a:t>Click to edit Master text styles</a:t>
             </a:r>
           </a:p>
           <a:p>
             <a:pPr lvl="1"/>
             <a:r>
-              <a:rPr lang="en-US" smtClean="0"/>
+              <a:rPr lang="en-US"/>
               <a:t>Second level</a:t>
             </a:r>
           </a:p>
           <a:p>
             <a:pPr lvl="2"/>
             <a:r>
-              <a:rPr lang="en-US" smtClean="0"/>
+              <a:rPr lang="en-US"/>
               <a:t>Third level</a:t>
             </a:r>
           </a:p>
           <a:p>
             <a:pPr lvl="3"/>
             <a:r>
-              <a:rPr lang="en-US" smtClean="0"/>
+              <a:rPr lang="en-US"/>
               <a:t>Fourth level</a:t>
             </a:r>
           </a:p>
           <a:p>
             <a:pPr lvl="4"/>
             <a:r>
-              <a:rPr lang="en-US" smtClean="0"/>
+              <a:rPr lang="en-US"/>
               <a:t>Fifth level</a:t>
             </a:r>
-            <a:endParaRPr lang="en-US"/>
           </a:p>
         </p:txBody>
       </p:sp>
@@ -483,10 +497,9 @@
           </a:lstStyle>
           <a:p>
             <a:r>
-              <a:rPr lang="en-US" dirty="0" smtClean="0"/>
+              <a:rPr lang="en-US" dirty="0"/>
               <a:t>©Concentrated Technology</a:t>
             </a:r>
-            <a:endParaRPr lang="en-US" dirty="0"/>
           </a:p>
         </p:txBody>
       </p:sp>
@@ -547,7 +560,7 @@
           </a:lstStyle>
           <a:p>
             <a:r>
-              <a:rPr lang="en-US" smtClean="0"/>
+              <a:rPr lang="en-US"/>
               <a:t>Click to edit Master title style</a:t>
             </a:r>
             <a:endParaRPr lang="en-US" dirty="0"/>
@@ -667,7 +680,7 @@
           <a:p>
             <a:pPr lvl="0"/>
             <a:r>
-              <a:rPr lang="en-US" smtClean="0"/>
+              <a:rPr lang="en-US"/>
               <a:t>Click to edit Master text styles</a:t>
             </a:r>
           </a:p>
@@ -742,10 +755,9 @@
           </a:lstStyle>
           <a:p>
             <a:r>
-              <a:rPr lang="en-US" dirty="0" smtClean="0"/>
+              <a:rPr lang="en-US" dirty="0"/>
               <a:t>©Concentrated Technology</a:t>
             </a:r>
-            <a:endParaRPr lang="en-US" dirty="0"/>
           </a:p>
         </p:txBody>
       </p:sp>
@@ -790,10 +802,9 @@
           <a:lstStyle/>
           <a:p>
             <a:r>
-              <a:rPr lang="en-US" smtClean="0"/>
+              <a:rPr lang="en-US"/>
               <a:t>Click to edit Master title style</a:t>
             </a:r>
-            <a:endParaRPr lang="en-US"/>
           </a:p>
         </p:txBody>
       </p:sp>
@@ -847,35 +858,35 @@
           <a:p>
             <a:pPr lvl="0"/>
             <a:r>
-              <a:rPr lang="en-US" smtClean="0"/>
+              <a:rPr lang="en-US"/>
               <a:t>Click to edit Master text styles</a:t>
             </a:r>
           </a:p>
           <a:p>
             <a:pPr lvl="1"/>
             <a:r>
-              <a:rPr lang="en-US" smtClean="0"/>
+              <a:rPr lang="en-US"/>
               <a:t>Second level</a:t>
             </a:r>
           </a:p>
           <a:p>
             <a:pPr lvl="2"/>
             <a:r>
-              <a:rPr lang="en-US" smtClean="0"/>
+              <a:rPr lang="en-US"/>
               <a:t>Third level</a:t>
             </a:r>
           </a:p>
           <a:p>
             <a:pPr lvl="3"/>
             <a:r>
-              <a:rPr lang="en-US" smtClean="0"/>
+              <a:rPr lang="en-US"/>
               <a:t>Fourth level</a:t>
             </a:r>
           </a:p>
           <a:p>
             <a:pPr lvl="4"/>
             <a:r>
-              <a:rPr lang="en-US" smtClean="0"/>
+              <a:rPr lang="en-US"/>
               <a:t>Fifth level</a:t>
             </a:r>
             <a:endParaRPr lang="en-US" dirty="0"/>
@@ -932,35 +943,35 @@
           <a:p>
             <a:pPr lvl="0"/>
             <a:r>
-              <a:rPr lang="en-US" smtClean="0"/>
+              <a:rPr lang="en-US"/>
               <a:t>Click to edit Master text styles</a:t>
             </a:r>
           </a:p>
           <a:p>
             <a:pPr lvl="1"/>
             <a:r>
-              <a:rPr lang="en-US" smtClean="0"/>
+              <a:rPr lang="en-US"/>
               <a:t>Second level</a:t>
             </a:r>
           </a:p>
           <a:p>
             <a:pPr lvl="2"/>
             <a:r>
-              <a:rPr lang="en-US" smtClean="0"/>
+              <a:rPr lang="en-US"/>
               <a:t>Third level</a:t>
             </a:r>
           </a:p>
           <a:p>
             <a:pPr lvl="3"/>
             <a:r>
-              <a:rPr lang="en-US" smtClean="0"/>
+              <a:rPr lang="en-US"/>
               <a:t>Fourth level</a:t>
             </a:r>
           </a:p>
           <a:p>
             <a:pPr lvl="4"/>
             <a:r>
-              <a:rPr lang="en-US" smtClean="0"/>
+              <a:rPr lang="en-US"/>
               <a:t>Fifth level</a:t>
             </a:r>
             <a:endParaRPr lang="en-US" dirty="0"/>
@@ -1001,10 +1012,9 @@
           </a:lstStyle>
           <a:p>
             <a:r>
-              <a:rPr lang="en-US" dirty="0" smtClean="0"/>
+              <a:rPr lang="en-US" dirty="0"/>
               <a:t>©Concentrated Technology</a:t>
             </a:r>
-            <a:endParaRPr lang="en-US" dirty="0"/>
           </a:p>
         </p:txBody>
       </p:sp>
@@ -1053,7 +1063,7 @@
           </a:lstStyle>
           <a:p>
             <a:r>
-              <a:rPr lang="en-US" smtClean="0"/>
+              <a:rPr lang="en-US"/>
               <a:t>Click to edit Master title style</a:t>
             </a:r>
             <a:endParaRPr lang="en-US" dirty="0"/>
@@ -1142,7 +1152,7 @@
           <a:p>
             <a:pPr lvl="0"/>
             <a:r>
-              <a:rPr lang="en-US" smtClean="0"/>
+              <a:rPr lang="en-US"/>
               <a:t>Click to edit Master text styles</a:t>
             </a:r>
           </a:p>
@@ -1198,35 +1208,35 @@
           <a:p>
             <a:pPr lvl="0"/>
             <a:r>
-              <a:rPr lang="en-US" smtClean="0"/>
+              <a:rPr lang="en-US"/>
               <a:t>Click to edit Master text styles</a:t>
             </a:r>
           </a:p>
           <a:p>
             <a:pPr lvl="1"/>
             <a:r>
-              <a:rPr lang="en-US" smtClean="0"/>
+              <a:rPr lang="en-US"/>
               <a:t>Second level</a:t>
             </a:r>
           </a:p>
           <a:p>
             <a:pPr lvl="2"/>
             <a:r>
-              <a:rPr lang="en-US" smtClean="0"/>
+              <a:rPr lang="en-US"/>
               <a:t>Third level</a:t>
             </a:r>
           </a:p>
           <a:p>
             <a:pPr lvl="3"/>
             <a:r>
-              <a:rPr lang="en-US" smtClean="0"/>
+              <a:rPr lang="en-US"/>
               <a:t>Fourth level</a:t>
             </a:r>
           </a:p>
           <a:p>
             <a:pPr lvl="4"/>
             <a:r>
-              <a:rPr lang="en-US" smtClean="0"/>
+              <a:rPr lang="en-US"/>
               <a:t>Fifth level</a:t>
             </a:r>
             <a:endParaRPr lang="en-US" dirty="0"/>
@@ -1318,7 +1328,7 @@
           <a:p>
             <a:pPr lvl="0"/>
             <a:r>
-              <a:rPr lang="en-US" smtClean="0"/>
+              <a:rPr lang="en-US"/>
               <a:t>Click to edit Master text styles</a:t>
             </a:r>
           </a:p>
@@ -1374,35 +1384,35 @@
           <a:p>
             <a:pPr lvl="0"/>
             <a:r>
-              <a:rPr lang="en-US" smtClean="0"/>
+              <a:rPr lang="en-US"/>
               <a:t>Click to edit Master text styles</a:t>
             </a:r>
           </a:p>
           <a:p>
             <a:pPr lvl="1"/>
             <a:r>
-              <a:rPr lang="en-US" smtClean="0"/>
+              <a:rPr lang="en-US"/>
               <a:t>Second level</a:t>
             </a:r>
           </a:p>
           <a:p>
             <a:pPr lvl="2"/>
             <a:r>
-              <a:rPr lang="en-US" smtClean="0"/>
+              <a:rPr lang="en-US"/>
               <a:t>Third level</a:t>
             </a:r>
           </a:p>
           <a:p>
             <a:pPr lvl="3"/>
             <a:r>
-              <a:rPr lang="en-US" smtClean="0"/>
+              <a:rPr lang="en-US"/>
               <a:t>Fourth level</a:t>
             </a:r>
           </a:p>
           <a:p>
             <a:pPr lvl="4"/>
             <a:r>
-              <a:rPr lang="en-US" smtClean="0"/>
+              <a:rPr lang="en-US"/>
               <a:t>Fifth level</a:t>
             </a:r>
             <a:endParaRPr lang="en-US" dirty="0"/>
@@ -1478,10 +1488,9 @@
           </a:lstStyle>
           <a:p>
             <a:r>
-              <a:rPr lang="en-US" dirty="0" smtClean="0"/>
+              <a:rPr lang="en-US" dirty="0"/>
               <a:t>©Concentrated Technology</a:t>
             </a:r>
-            <a:endParaRPr lang="en-US" dirty="0"/>
           </a:p>
         </p:txBody>
       </p:sp>
@@ -1526,10 +1535,9 @@
           <a:lstStyle/>
           <a:p>
             <a:r>
-              <a:rPr lang="en-US" smtClean="0"/>
+              <a:rPr lang="en-US"/>
               <a:t>Click to edit Master title style</a:t>
             </a:r>
-            <a:endParaRPr lang="en-US"/>
           </a:p>
         </p:txBody>
       </p:sp>
@@ -1567,10 +1575,9 @@
           </a:lstStyle>
           <a:p>
             <a:r>
-              <a:rPr lang="en-US" dirty="0" smtClean="0"/>
+              <a:rPr lang="en-US" dirty="0"/>
               <a:t>©Concentrated Technology</a:t>
             </a:r>
-            <a:endParaRPr lang="en-US" dirty="0"/>
           </a:p>
         </p:txBody>
       </p:sp>
@@ -1651,7 +1658,7 @@
           </a:lstStyle>
           <a:p>
             <a:r>
-              <a:rPr lang="en-US" smtClean="0"/>
+              <a:rPr lang="en-US"/>
               <a:t>Click to edit Master title style</a:t>
             </a:r>
             <a:endParaRPr lang="en-US" dirty="0"/>
@@ -1708,35 +1715,35 @@
           <a:p>
             <a:pPr lvl="0"/>
             <a:r>
-              <a:rPr lang="en-US" smtClean="0"/>
+              <a:rPr lang="en-US"/>
               <a:t>Click to edit Master text styles</a:t>
             </a:r>
           </a:p>
           <a:p>
             <a:pPr lvl="1"/>
             <a:r>
-              <a:rPr lang="en-US" smtClean="0"/>
+              <a:rPr lang="en-US"/>
               <a:t>Second level</a:t>
             </a:r>
           </a:p>
           <a:p>
             <a:pPr lvl="2"/>
             <a:r>
-              <a:rPr lang="en-US" smtClean="0"/>
+              <a:rPr lang="en-US"/>
               <a:t>Third level</a:t>
             </a:r>
           </a:p>
           <a:p>
             <a:pPr lvl="3"/>
             <a:r>
-              <a:rPr lang="en-US" smtClean="0"/>
+              <a:rPr lang="en-US"/>
               <a:t>Fourth level</a:t>
             </a:r>
           </a:p>
           <a:p>
             <a:pPr lvl="4"/>
             <a:r>
-              <a:rPr lang="en-US" smtClean="0"/>
+              <a:rPr lang="en-US"/>
               <a:t>Fifth level</a:t>
             </a:r>
             <a:endParaRPr lang="en-US" dirty="0"/>
@@ -1802,7 +1809,7 @@
           <a:p>
             <a:pPr lvl="0"/>
             <a:r>
-              <a:rPr lang="en-US" smtClean="0"/>
+              <a:rPr lang="en-US"/>
               <a:t>Click to edit Master text styles</a:t>
             </a:r>
           </a:p>
@@ -1877,10 +1884,9 @@
           </a:lstStyle>
           <a:p>
             <a:r>
-              <a:rPr lang="en-US" dirty="0" smtClean="0"/>
+              <a:rPr lang="en-US" dirty="0"/>
               <a:t>©Concentrated Technology</a:t>
             </a:r>
-            <a:endParaRPr lang="en-US" dirty="0"/>
           </a:p>
         </p:txBody>
       </p:sp>
@@ -1936,7 +1942,7 @@
           </a:lstStyle>
           <a:p>
             <a:r>
-              <a:rPr lang="en-US" smtClean="0"/>
+              <a:rPr lang="en-US"/>
               <a:t>Click to edit Master title style</a:t>
             </a:r>
             <a:endParaRPr lang="en-US" dirty="0"/>
@@ -2017,7 +2023,7 @@
           </a:lstStyle>
           <a:p>
             <a:r>
-              <a:rPr lang="en-US" smtClean="0"/>
+              <a:rPr lang="en-US"/>
               <a:t>Drag picture to placeholder or click icon to add</a:t>
             </a:r>
             <a:endParaRPr lang="en-US" dirty="0"/>
@@ -2083,7 +2089,7 @@
           <a:p>
             <a:pPr lvl="0"/>
             <a:r>
-              <a:rPr lang="en-US" smtClean="0"/>
+              <a:rPr lang="en-US"/>
               <a:t>Click to edit Master text styles</a:t>
             </a:r>
           </a:p>
@@ -2123,10 +2129,9 @@
           </a:lstStyle>
           <a:p>
             <a:r>
-              <a:rPr lang="en-US" dirty="0" smtClean="0"/>
+              <a:rPr lang="en-US" dirty="0"/>
               <a:t>©Concentrated Technology</a:t>
             </a:r>
-            <a:endParaRPr lang="en-US" dirty="0"/>
           </a:p>
         </p:txBody>
       </p:sp>
@@ -2232,7 +2237,7 @@
           <a:lstStyle/>
           <a:p>
             <a:r>
-              <a:rPr lang="en-US" smtClean="0"/>
+              <a:rPr lang="en-US"/>
               <a:t>Click to edit Master title style</a:t>
             </a:r>
             <a:endParaRPr lang="en-US" dirty="0"/>
@@ -2266,35 +2271,35 @@
           <a:p>
             <a:pPr lvl="0"/>
             <a:r>
-              <a:rPr lang="en-US" smtClean="0"/>
+              <a:rPr lang="en-US"/>
               <a:t>Click to edit Master text styles</a:t>
             </a:r>
           </a:p>
           <a:p>
             <a:pPr lvl="1"/>
             <a:r>
-              <a:rPr lang="en-US" smtClean="0"/>
+              <a:rPr lang="en-US"/>
               <a:t>Second level</a:t>
             </a:r>
           </a:p>
           <a:p>
             <a:pPr lvl="2"/>
             <a:r>
-              <a:rPr lang="en-US" smtClean="0"/>
+              <a:rPr lang="en-US"/>
               <a:t>Third level</a:t>
             </a:r>
           </a:p>
           <a:p>
             <a:pPr lvl="3"/>
             <a:r>
-              <a:rPr lang="en-US" smtClean="0"/>
+              <a:rPr lang="en-US"/>
               <a:t>Fourth level</a:t>
             </a:r>
           </a:p>
           <a:p>
             <a:pPr lvl="4"/>
             <a:r>
-              <a:rPr lang="en-US" smtClean="0"/>
+              <a:rPr lang="en-US"/>
               <a:t>Fifth level</a:t>
             </a:r>
             <a:endParaRPr lang="en-US" dirty="0"/>
@@ -2381,10 +2386,9 @@
           </a:lstStyle>
           <a:p>
             <a:r>
-              <a:rPr lang="en-US" dirty="0" smtClean="0"/>
+              <a:rPr lang="en-US" dirty="0"/>
               <a:t>©Concentrated Technology</a:t>
             </a:r>
-            <a:endParaRPr lang="en-US" dirty="0"/>
           </a:p>
         </p:txBody>
       </p:sp>
@@ -2724,10 +2728,9 @@
           <a:lstStyle/>
           <a:p>
             <a:r>
-              <a:rPr lang="en-US" sz="4800" dirty="0" smtClean="0"/>
+              <a:rPr lang="en-US" sz="4800" dirty="0"/>
               <a:t>Creating Hierarchical Command Output</a:t>
             </a:r>
-            <a:endParaRPr lang="en-US" sz="4800" dirty="0"/>
           </a:p>
         </p:txBody>
       </p:sp>
@@ -2752,7 +2755,7 @@
           <a:lstStyle/>
           <a:p>
             <a:r>
-              <a:rPr lang="en-US" smtClean="0"/>
+              <a:rPr lang="en-US"/>
               <a:t>Module 06</a:t>
             </a:r>
             <a:endParaRPr lang="en-US" dirty="0"/>
@@ -2807,10 +2810,9 @@
           <a:lstStyle/>
           <a:p>
             <a:r>
-              <a:rPr lang="en-US" dirty="0" smtClean="0"/>
+              <a:rPr lang="en-US" dirty="0"/>
               <a:t>Designing Hierarchical Command Output</a:t>
             </a:r>
-            <a:endParaRPr lang="en-US" dirty="0"/>
           </a:p>
         </p:txBody>
       </p:sp>
@@ -2830,10 +2832,9 @@
           <a:lstStyle/>
           <a:p>
             <a:r>
-              <a:rPr lang="en-US" dirty="0" smtClean="0"/>
+              <a:rPr lang="en-US" dirty="0"/>
               <a:t>Lesson 1</a:t>
             </a:r>
-            <a:endParaRPr lang="en-US" dirty="0"/>
           </a:p>
         </p:txBody>
       </p:sp>
@@ -2885,10 +2886,9 @@
           <a:lstStyle/>
           <a:p>
             <a:r>
-              <a:rPr lang="en-US" dirty="0" smtClean="0"/>
+              <a:rPr lang="en-US" dirty="0"/>
               <a:t>Hierarchies and CSV: not a good idea</a:t>
             </a:r>
-            <a:endParaRPr lang="en-US" dirty="0"/>
           </a:p>
         </p:txBody>
       </p:sp>
@@ -2908,110 +2908,63 @@
           <a:lstStyle/>
           <a:p>
             <a:r>
-              <a:rPr lang="en-US" dirty="0" smtClean="0"/>
-              <a:t>Caution </a:t>
-            </a:r>
-            <a:r>
               <a:rPr lang="en-US" dirty="0"/>
-              <a:t>against outputting them to a CSV file. </a:t>
-            </a:r>
-            <a:endParaRPr lang="en-US" dirty="0" smtClean="0"/>
-          </a:p>
-          <a:p>
-            <a:r>
-              <a:rPr lang="en-US" dirty="0" smtClean="0"/>
-              <a:t>PS C:\&gt; </a:t>
-            </a:r>
+              <a:t>Caution against outputting them to a CSV file. </a:t>
+            </a:r>
+          </a:p>
+          <a:p>
+            <a:pPr lvl="1"/>
+            <a:r>
+              <a:rPr lang="en-US" dirty="0">
+                <a:latin typeface="Consolas" panose="020B0609020204030204" pitchFamily="49" charset="0"/>
+              </a:rPr>
+              <a:t>PS C:\&gt; Get-Service | Export-CSV </a:t>
+            </a:r>
+            <a:r>
+              <a:rPr lang="en-US" dirty="0" err="1">
+                <a:latin typeface="Consolas" panose="020B0609020204030204" pitchFamily="49" charset="0"/>
+              </a:rPr>
+              <a:t>services.csv</a:t>
+            </a:r>
+            <a:endParaRPr lang="en-US" dirty="0">
+              <a:latin typeface="Consolas" panose="020B0609020204030204" pitchFamily="49" charset="0"/>
+            </a:endParaRPr>
+          </a:p>
+          <a:p>
             <a:r>
               <a:rPr lang="en-US" dirty="0"/>
-              <a:t>Get-Service | Export-CSV </a:t>
+              <a:t>Open the Services.csv file in Notepad – PowerShell has to convert a hierarchy of objects into a flat-file format.</a:t>
+            </a:r>
+          </a:p>
+          <a:p>
+            <a:r>
+              <a:rPr lang="en-US" dirty="0"/>
+              <a:t>Data rows for </a:t>
             </a:r>
             <a:r>
               <a:rPr lang="en-US" dirty="0" err="1"/>
-              <a:t>services.csv</a:t>
-            </a:r>
-            <a:endParaRPr lang="en-US" dirty="0"/>
-          </a:p>
-          <a:p>
+              <a:t>RequiredServices</a:t>
+            </a:r>
             <a:r>
               <a:rPr lang="en-US" dirty="0"/>
-              <a:t>Opening the </a:t>
-            </a:r>
-            <a:r>
-              <a:rPr lang="en-US" dirty="0" err="1"/>
-              <a:t>Services.csv</a:t>
+              <a:t> column show </a:t>
+            </a:r>
+            <a:r>
+              <a:rPr lang="en-US" dirty="0" err="1">
+                <a:latin typeface="Consolas" panose="020B0609020204030204" pitchFamily="49" charset="0"/>
+              </a:rPr>
+              <a:t>System.ServiceProcess.ServiceController</a:t>
+            </a:r>
+            <a:r>
+              <a:rPr lang="en-US" dirty="0">
+                <a:latin typeface="Consolas" panose="020B0609020204030204" pitchFamily="49" charset="0"/>
+              </a:rPr>
+              <a:t>[], </a:t>
             </a:r>
             <a:r>
               <a:rPr lang="en-US" dirty="0"/>
-              <a:t> file in </a:t>
-            </a:r>
-            <a:r>
-              <a:rPr lang="en-US" dirty="0" smtClean="0"/>
-              <a:t>Notepad - PowerShell </a:t>
-            </a:r>
-            <a:r>
-              <a:rPr lang="en-US" dirty="0"/>
-              <a:t>has to convert a hierarchy of objects into a flat-file </a:t>
-            </a:r>
-            <a:r>
-              <a:rPr lang="en-US" dirty="0" smtClean="0"/>
-              <a:t>format.</a:t>
-            </a:r>
-          </a:p>
-          <a:p>
-            <a:r>
-              <a:rPr lang="en-US" dirty="0"/>
-              <a:t>D</a:t>
-            </a:r>
-            <a:r>
-              <a:rPr lang="en-US" dirty="0" smtClean="0"/>
-              <a:t>ata </a:t>
-            </a:r>
-            <a:r>
-              <a:rPr lang="en-US" dirty="0"/>
-              <a:t>rows for </a:t>
-            </a:r>
-            <a:r>
-              <a:rPr lang="en-US" dirty="0" err="1" smtClean="0"/>
-              <a:t>RequiredServices</a:t>
-            </a:r>
-            <a:r>
-              <a:rPr lang="en-US" dirty="0" smtClean="0"/>
-              <a:t> </a:t>
-            </a:r>
-            <a:r>
-              <a:rPr lang="en-US" dirty="0"/>
-              <a:t>column show </a:t>
-            </a:r>
-            <a:r>
-              <a:rPr lang="en-US" dirty="0" err="1"/>
-              <a:t>System.ServiceProcess.ServiceController</a:t>
-            </a:r>
-            <a:r>
-              <a:rPr lang="en-US" dirty="0"/>
-              <a:t>[], </a:t>
-            </a:r>
-            <a:r>
-              <a:rPr lang="en-US" dirty="0" smtClean="0"/>
-              <a:t>because the file </a:t>
-            </a:r>
-            <a:r>
-              <a:rPr lang="en-US" dirty="0"/>
-              <a:t>format doesn’t </a:t>
-            </a:r>
-            <a:r>
-              <a:rPr lang="en-US" dirty="0" smtClean="0"/>
-              <a:t>allow child objects to be shown.</a:t>
-            </a:r>
-            <a:r>
-              <a:rPr lang="en-US" dirty="0"/>
-              <a:t>” </a:t>
-            </a:r>
-            <a:r>
-              <a:rPr lang="en-US" dirty="0" smtClean="0"/>
-              <a:t> </a:t>
-            </a:r>
-            <a:endParaRPr lang="en-US" dirty="0"/>
+              <a:t>because the file format doesn’t allow child objects to be shown.”  </a:t>
+            </a:r>
           </a:p>
         </p:txBody>
       </p:sp>
@@ -3091,10 +3044,9 @@
           <a:lstStyle/>
           <a:p>
             <a:r>
-              <a:rPr lang="en-US" dirty="0" smtClean="0"/>
+              <a:rPr lang="en-US" dirty="0"/>
               <a:t>Creating nested objects</a:t>
             </a:r>
-            <a:endParaRPr lang="en-US" dirty="0"/>
           </a:p>
         </p:txBody>
       </p:sp>
@@ -3114,86 +3066,69 @@
           <a:lstStyle/>
           <a:p>
             <a:r>
-              <a:rPr lang="en-US" dirty="0" smtClean="0"/>
-              <a:t>In this example, the top</a:t>
-            </a:r>
-            <a:r>
               <a:rPr lang="en-US" dirty="0"/>
-              <a:t>-level object </a:t>
-            </a:r>
-            <a:r>
-              <a:rPr lang="en-US" dirty="0" smtClean="0"/>
-              <a:t>will </a:t>
-            </a:r>
+              <a:t>In this example, the top-level object will contain the computer name and the version numbers for both the operating system and its service pack. </a:t>
+            </a:r>
+          </a:p>
+          <a:p>
             <a:r>
               <a:rPr lang="en-US" dirty="0"/>
-              <a:t>contain the computer name and the version numbers for both the operating system and its service pack. </a:t>
-            </a:r>
-            <a:endParaRPr lang="en-US" dirty="0" smtClean="0"/>
-          </a:p>
-          <a:p>
-            <a:r>
-              <a:rPr lang="en-US" dirty="0" smtClean="0"/>
-              <a:t>Each </a:t>
-            </a:r>
-            <a:r>
-              <a:rPr lang="en-US" dirty="0"/>
-              <a:t>object will also contain a Disks property, which will list additional information for each local, fixed disk installed in the computer. </a:t>
-            </a:r>
-            <a:endParaRPr lang="en-US" dirty="0" smtClean="0"/>
-          </a:p>
-          <a:p>
-            <a:r>
-              <a:rPr lang="en-US" dirty="0" smtClean="0"/>
-              <a:t>Get</a:t>
-            </a:r>
-            <a:r>
-              <a:rPr lang="en-US" dirty="0"/>
-              <a:t>-</a:t>
-            </a:r>
-            <a:r>
-              <a:rPr lang="en-US" dirty="0" err="1"/>
+              <a:t>Each object will also contain a Disks property, which will list additional information for each local, fixed disk installed in the computer. </a:t>
+            </a:r>
+          </a:p>
+          <a:p>
+            <a:pPr lvl="1"/>
+            <a:r>
+              <a:rPr lang="en-US" dirty="0">
+                <a:latin typeface="Consolas" panose="020B0609020204030204" pitchFamily="49" charset="0"/>
+              </a:rPr>
+              <a:t>Get-</a:t>
+            </a:r>
+            <a:r>
+              <a:rPr lang="en-US" dirty="0" err="1">
+                <a:latin typeface="Consolas" panose="020B0609020204030204" pitchFamily="49" charset="0"/>
+              </a:rPr>
               <a:t>DetailedSystemInfo</a:t>
             </a:r>
             <a:r>
-              <a:rPr lang="en-US" dirty="0"/>
+              <a:rPr lang="en-US" dirty="0">
+                <a:latin typeface="Consolas" panose="020B0609020204030204" pitchFamily="49" charset="0"/>
+              </a:rPr>
               <a:t> -</a:t>
             </a:r>
             <a:r>
-              <a:rPr lang="en-US" dirty="0" err="1"/>
+              <a:rPr lang="en-US" dirty="0" err="1">
+                <a:latin typeface="Consolas" panose="020B0609020204030204" pitchFamily="49" charset="0"/>
+              </a:rPr>
               <a:t>computerName</a:t>
             </a:r>
             <a:r>
-              <a:rPr lang="en-US" dirty="0"/>
-              <a:t> </a:t>
-            </a:r>
-            <a:r>
-              <a:rPr lang="en-US" dirty="0" err="1"/>
-              <a:t>localhost</a:t>
-            </a:r>
-            <a:r>
-              <a:rPr lang="en-US" dirty="0"/>
-              <a:t> |</a:t>
-            </a:r>
-          </a:p>
-          <a:p>
-            <a:pPr marL="0" indent="0">
-              <a:buNone/>
-            </a:pPr>
-            <a:r>
-              <a:rPr lang="en-US" dirty="0" smtClean="0"/>
-              <a:t>  Select</a:t>
-            </a:r>
-            <a:r>
-              <a:rPr lang="en-US" dirty="0"/>
-              <a:t>-Object -</a:t>
-            </a:r>
-            <a:r>
-              <a:rPr lang="en-US" dirty="0" err="1"/>
+              <a:rPr lang="en-US" dirty="0">
+                <a:latin typeface="Consolas" panose="020B0609020204030204" pitchFamily="49" charset="0"/>
+              </a:rPr>
+              <a:t> localhost |</a:t>
+            </a:r>
+            <a:br>
+              <a:rPr lang="en-US" dirty="0">
+                <a:latin typeface="Consolas" panose="020B0609020204030204" pitchFamily="49" charset="0"/>
+              </a:rPr>
+            </a:br>
+            <a:r>
+              <a:rPr lang="en-US" dirty="0">
+                <a:latin typeface="Consolas" panose="020B0609020204030204" pitchFamily="49" charset="0"/>
+              </a:rPr>
+              <a:t>Select-Object -</a:t>
+            </a:r>
+            <a:r>
+              <a:rPr lang="en-US" dirty="0" err="1">
+                <a:latin typeface="Consolas" panose="020B0609020204030204" pitchFamily="49" charset="0"/>
+              </a:rPr>
               <a:t>ExpandProperty</a:t>
             </a:r>
             <a:r>
-              <a:rPr lang="en-US" dirty="0"/>
+              <a:rPr lang="en-US" dirty="0">
+                <a:latin typeface="Consolas" panose="020B0609020204030204" pitchFamily="49" charset="0"/>
+              </a:rPr>
               <a:t> Disks </a:t>
             </a:r>
           </a:p>
@@ -3275,10 +3210,9 @@
           <a:lstStyle/>
           <a:p>
             <a:r>
-              <a:rPr lang="en-US" dirty="0" smtClean="0"/>
+              <a:rPr lang="en-US" dirty="0"/>
               <a:t>Working with nested objects</a:t>
             </a:r>
-            <a:endParaRPr lang="en-US" dirty="0"/>
           </a:p>
         </p:txBody>
       </p:sp>
@@ -3299,13 +3233,8 @@
           <a:p>
             <a:r>
               <a:rPr lang="en-US" dirty="0"/>
-              <a:t>There are four main </a:t>
-            </a:r>
-            <a:r>
-              <a:rPr lang="en-US" dirty="0" smtClean="0"/>
-              <a:t>techniques working with nested objects:</a:t>
-            </a:r>
-            <a:endParaRPr lang="en-US" dirty="0"/>
+              <a:t>There are four main techniques working with nested objects:</a:t>
+            </a:r>
           </a:p>
           <a:p>
             <a:pPr marL="457200" indent="-457200">
@@ -3458,10 +3387,9 @@
           <a:p>
             <a:pPr algn="ctr"/>
             <a:r>
-              <a:rPr lang="en-US" dirty="0" smtClean="0"/>
+              <a:rPr lang="en-US" dirty="0"/>
               <a:t>Lab A</a:t>
             </a:r>
-            <a:endParaRPr lang="en-US" dirty="0"/>
           </a:p>
         </p:txBody>
       </p:sp>
@@ -3507,7 +3435,7 @@
           <a:p>
             <a:pPr algn="ctr"/>
             <a:r>
-              <a:rPr lang="en-US" dirty="0" smtClean="0"/>
+              <a:rPr lang="en-US" dirty="0"/>
               <a:t>60 Minutes</a:t>
             </a:r>
           </a:p>
@@ -3518,21 +3446,21 @@
           <a:p>
             <a:pPr algn="ctr"/>
             <a:r>
-              <a:rPr lang="en-US" b="1" dirty="0" smtClean="0"/>
+              <a:rPr lang="en-US" b="1" dirty="0"/>
               <a:t>CLIENT</a:t>
             </a:r>
           </a:p>
           <a:p>
             <a:pPr algn="ctr"/>
             <a:r>
-              <a:rPr lang="en-US" b="1" dirty="0" smtClean="0"/>
+              <a:rPr lang="en-US" b="1" dirty="0"/>
               <a:t>MEMBER</a:t>
             </a:r>
           </a:p>
           <a:p>
             <a:pPr algn="ctr"/>
             <a:r>
-              <a:rPr lang="en-US" b="1" dirty="0" smtClean="0"/>
+              <a:rPr lang="en-US" b="1" dirty="0"/>
               <a:t>DC</a:t>
             </a:r>
           </a:p>
@@ -3543,17 +3471,16 @@
           <a:p>
             <a:pPr algn="ctr"/>
             <a:r>
-              <a:rPr lang="en-US" b="1" dirty="0" smtClean="0"/>
+              <a:rPr lang="en-US" b="1" dirty="0"/>
               <a:t>Administrator</a:t>
             </a:r>
             <a:br>
-              <a:rPr lang="en-US" b="1" dirty="0" smtClean="0"/>
+              <a:rPr lang="en-US" b="1" dirty="0"/>
             </a:br>
             <a:r>
-              <a:rPr lang="en-US" b="1" dirty="0" smtClean="0"/>
+              <a:rPr lang="en-US" b="1" dirty="0"/>
               <a:t>P@ssw0rd</a:t>
             </a:r>
-            <a:endParaRPr lang="en-US" b="1" dirty="0"/>
           </a:p>
         </p:txBody>
       </p:sp>
@@ -3633,10 +3560,9 @@
           <a:lstStyle/>
           <a:p>
             <a:r>
-              <a:rPr lang="en-US" dirty="0" smtClean="0"/>
+              <a:rPr lang="en-US" dirty="0"/>
               <a:t>Conclusion</a:t>
             </a:r>
-            <a:endParaRPr lang="en-US" dirty="0"/>
           </a:p>
         </p:txBody>
       </p:sp>
@@ -3663,11 +3589,10 @@
               <a:rPr lang="en-US"/>
               <a:t>. </a:t>
             </a:r>
-            <a:endParaRPr lang="en-US" smtClean="0"/>
-          </a:p>
-          <a:p>
-            <a:r>
-              <a:rPr lang="en-US" smtClean="0"/>
+          </a:p>
+          <a:p>
+            <a:r>
+              <a:rPr lang="en-US"/>
               <a:t>You’re </a:t>
             </a:r>
             <a:r>

--- a/Powerpoint/Module06-ComplexObjects.pptx
+++ b/Powerpoint/Module06-ComplexObjects.pptx
@@ -2963,7 +2963,7 @@
             </a:r>
             <a:r>
               <a:rPr lang="en-US" dirty="0"/>
-              <a:t>because the file format doesn’t allow child objects to be shown.”  </a:t>
+              <a:t>because the file format doesn’t allow child objects to be shown.</a:t>
             </a:r>
           </a:p>
         </p:txBody>
@@ -3077,7 +3077,6 @@
             </a:r>
           </a:p>
           <a:p>
-            <a:pPr lvl="1"/>
             <a:r>
               <a:rPr lang="en-US" dirty="0">
                 <a:latin typeface="Consolas" panose="020B0609020204030204" pitchFamily="49" charset="0"/>
@@ -3106,18 +3105,19 @@
               <a:rPr lang="en-US" dirty="0">
                 <a:latin typeface="Consolas" panose="020B0609020204030204" pitchFamily="49" charset="0"/>
               </a:rPr>
-              <a:t> localhost |</a:t>
-            </a:r>
-            <a:br>
+              <a:t> </a:t>
+            </a:r>
+            <a:r>
+              <a:rPr lang="en-US">
+                <a:latin typeface="Consolas" panose="020B0609020204030204" pitchFamily="49" charset="0"/>
+              </a:rPr>
+              <a:t>localhost     	| Select-Object </a:t>
+            </a:r>
+            <a:r>
               <a:rPr lang="en-US" dirty="0">
                 <a:latin typeface="Consolas" panose="020B0609020204030204" pitchFamily="49" charset="0"/>
               </a:rPr>
-            </a:br>
-            <a:r>
-              <a:rPr lang="en-US" dirty="0">
-                <a:latin typeface="Consolas" panose="020B0609020204030204" pitchFamily="49" charset="0"/>
-              </a:rPr>
-              <a:t>Select-Object -</a:t>
+              <a:t>-</a:t>
             </a:r>
             <a:r>
               <a:rPr lang="en-US" dirty="0" err="1">

--- a/Powerpoint/Module06-ComplexObjects.pptx
+++ b/Powerpoint/Module06-ComplexObjects.pptx
@@ -3105,19 +3105,7 @@
               <a:rPr lang="en-US" dirty="0">
                 <a:latin typeface="Consolas" panose="020B0609020204030204" pitchFamily="49" charset="0"/>
               </a:rPr>
-              <a:t> </a:t>
-            </a:r>
-            <a:r>
-              <a:rPr lang="en-US">
-                <a:latin typeface="Consolas" panose="020B0609020204030204" pitchFamily="49" charset="0"/>
-              </a:rPr>
-              <a:t>localhost     	| Select-Object </a:t>
-            </a:r>
-            <a:r>
-              <a:rPr lang="en-US" dirty="0">
-                <a:latin typeface="Consolas" panose="020B0609020204030204" pitchFamily="49" charset="0"/>
-              </a:rPr>
-              <a:t>-</a:t>
+              <a:t> localhost     	| Select-Object -</a:t>
             </a:r>
             <a:r>
               <a:rPr lang="en-US" dirty="0" err="1">
@@ -3332,7 +3320,7 @@
         </p:blipFill>
         <p:spPr>
           <a:xfrm>
-            <a:off x="7634902" y="358160"/>
+            <a:off x="7646934" y="358160"/>
             <a:ext cx="1304722" cy="1165840"/>
           </a:xfrm>
           <a:prstGeom prst="rect">
